--- a/doc/프로젝트환경.pptx
+++ b/doc/프로젝트환경.pptx
@@ -6,27 +6,28 @@
   </p:sldMasterIdLst>
   <p:sldIdLst>
     <p:sldId id="256" r:id="rId2"/>
-    <p:sldId id="257" r:id="rId3"/>
-    <p:sldId id="258" r:id="rId4"/>
-    <p:sldId id="259" r:id="rId5"/>
-    <p:sldId id="260" r:id="rId6"/>
-    <p:sldId id="262" r:id="rId7"/>
-    <p:sldId id="261" r:id="rId8"/>
-    <p:sldId id="263" r:id="rId9"/>
-    <p:sldId id="264" r:id="rId10"/>
-    <p:sldId id="265" r:id="rId11"/>
-    <p:sldId id="266" r:id="rId12"/>
-    <p:sldId id="267" r:id="rId13"/>
-    <p:sldId id="268" r:id="rId14"/>
-    <p:sldId id="269" r:id="rId15"/>
-    <p:sldId id="270" r:id="rId16"/>
-    <p:sldId id="271" r:id="rId17"/>
-    <p:sldId id="272" r:id="rId18"/>
-    <p:sldId id="273" r:id="rId19"/>
-    <p:sldId id="274" r:id="rId20"/>
-    <p:sldId id="275" r:id="rId21"/>
-    <p:sldId id="276" r:id="rId22"/>
-    <p:sldId id="277" r:id="rId23"/>
+    <p:sldId id="278" r:id="rId3"/>
+    <p:sldId id="257" r:id="rId4"/>
+    <p:sldId id="258" r:id="rId5"/>
+    <p:sldId id="259" r:id="rId6"/>
+    <p:sldId id="260" r:id="rId7"/>
+    <p:sldId id="262" r:id="rId8"/>
+    <p:sldId id="261" r:id="rId9"/>
+    <p:sldId id="263" r:id="rId10"/>
+    <p:sldId id="264" r:id="rId11"/>
+    <p:sldId id="265" r:id="rId12"/>
+    <p:sldId id="266" r:id="rId13"/>
+    <p:sldId id="267" r:id="rId14"/>
+    <p:sldId id="268" r:id="rId15"/>
+    <p:sldId id="269" r:id="rId16"/>
+    <p:sldId id="270" r:id="rId17"/>
+    <p:sldId id="271" r:id="rId18"/>
+    <p:sldId id="272" r:id="rId19"/>
+    <p:sldId id="273" r:id="rId20"/>
+    <p:sldId id="274" r:id="rId21"/>
+    <p:sldId id="275" r:id="rId22"/>
+    <p:sldId id="276" r:id="rId23"/>
+    <p:sldId id="277" r:id="rId24"/>
   </p:sldIdLst>
   <p:sldSz cx="12192000" cy="6858000"/>
   <p:notesSz cx="6858000" cy="9144000"/>
@@ -264,7 +265,7 @@
           <a:p>
             <a:fld id="{798606FD-6DBF-4723-8103-DDA8070CE574}" type="datetimeFigureOut">
               <a:rPr lang="ko-KR" altLang="en-US" smtClean="0"/>
-              <a:t>2022-05-23</a:t>
+              <a:t>2022-06-09</a:t>
             </a:fld>
             <a:endParaRPr lang="ko-KR" altLang="en-US"/>
           </a:p>
@@ -434,7 +435,7 @@
           <a:p>
             <a:fld id="{798606FD-6DBF-4723-8103-DDA8070CE574}" type="datetimeFigureOut">
               <a:rPr lang="ko-KR" altLang="en-US" smtClean="0"/>
-              <a:t>2022-05-23</a:t>
+              <a:t>2022-06-09</a:t>
             </a:fld>
             <a:endParaRPr lang="ko-KR" altLang="en-US"/>
           </a:p>
@@ -614,7 +615,7 @@
           <a:p>
             <a:fld id="{798606FD-6DBF-4723-8103-DDA8070CE574}" type="datetimeFigureOut">
               <a:rPr lang="ko-KR" altLang="en-US" smtClean="0"/>
-              <a:t>2022-05-23</a:t>
+              <a:t>2022-06-09</a:t>
             </a:fld>
             <a:endParaRPr lang="ko-KR" altLang="en-US"/>
           </a:p>
@@ -784,7 +785,7 @@
           <a:p>
             <a:fld id="{798606FD-6DBF-4723-8103-DDA8070CE574}" type="datetimeFigureOut">
               <a:rPr lang="ko-KR" altLang="en-US" smtClean="0"/>
-              <a:t>2022-05-23</a:t>
+              <a:t>2022-06-09</a:t>
             </a:fld>
             <a:endParaRPr lang="ko-KR" altLang="en-US"/>
           </a:p>
@@ -1030,7 +1031,7 @@
           <a:p>
             <a:fld id="{798606FD-6DBF-4723-8103-DDA8070CE574}" type="datetimeFigureOut">
               <a:rPr lang="ko-KR" altLang="en-US" smtClean="0"/>
-              <a:t>2022-05-23</a:t>
+              <a:t>2022-06-09</a:t>
             </a:fld>
             <a:endParaRPr lang="ko-KR" altLang="en-US"/>
           </a:p>
@@ -1262,7 +1263,7 @@
           <a:p>
             <a:fld id="{798606FD-6DBF-4723-8103-DDA8070CE574}" type="datetimeFigureOut">
               <a:rPr lang="ko-KR" altLang="en-US" smtClean="0"/>
-              <a:t>2022-05-23</a:t>
+              <a:t>2022-06-09</a:t>
             </a:fld>
             <a:endParaRPr lang="ko-KR" altLang="en-US"/>
           </a:p>
@@ -1629,7 +1630,7 @@
           <a:p>
             <a:fld id="{798606FD-6DBF-4723-8103-DDA8070CE574}" type="datetimeFigureOut">
               <a:rPr lang="ko-KR" altLang="en-US" smtClean="0"/>
-              <a:t>2022-05-23</a:t>
+              <a:t>2022-06-09</a:t>
             </a:fld>
             <a:endParaRPr lang="ko-KR" altLang="en-US"/>
           </a:p>
@@ -1747,7 +1748,7 @@
           <a:p>
             <a:fld id="{798606FD-6DBF-4723-8103-DDA8070CE574}" type="datetimeFigureOut">
               <a:rPr lang="ko-KR" altLang="en-US" smtClean="0"/>
-              <a:t>2022-05-23</a:t>
+              <a:t>2022-06-09</a:t>
             </a:fld>
             <a:endParaRPr lang="ko-KR" altLang="en-US"/>
           </a:p>
@@ -1842,7 +1843,7 @@
           <a:p>
             <a:fld id="{798606FD-6DBF-4723-8103-DDA8070CE574}" type="datetimeFigureOut">
               <a:rPr lang="ko-KR" altLang="en-US" smtClean="0"/>
-              <a:t>2022-05-23</a:t>
+              <a:t>2022-06-09</a:t>
             </a:fld>
             <a:endParaRPr lang="ko-KR" altLang="en-US"/>
           </a:p>
@@ -2119,7 +2120,7 @@
           <a:p>
             <a:fld id="{798606FD-6DBF-4723-8103-DDA8070CE574}" type="datetimeFigureOut">
               <a:rPr lang="ko-KR" altLang="en-US" smtClean="0"/>
-              <a:t>2022-05-23</a:t>
+              <a:t>2022-06-09</a:t>
             </a:fld>
             <a:endParaRPr lang="ko-KR" altLang="en-US"/>
           </a:p>
@@ -2372,7 +2373,7 @@
           <a:p>
             <a:fld id="{798606FD-6DBF-4723-8103-DDA8070CE574}" type="datetimeFigureOut">
               <a:rPr lang="ko-KR" altLang="en-US" smtClean="0"/>
-              <a:t>2022-05-23</a:t>
+              <a:t>2022-06-09</a:t>
             </a:fld>
             <a:endParaRPr lang="ko-KR" altLang="en-US"/>
           </a:p>
@@ -2585,7 +2586,7 @@
           <a:p>
             <a:fld id="{798606FD-6DBF-4723-8103-DDA8070CE574}" type="datetimeFigureOut">
               <a:rPr lang="ko-KR" altLang="en-US" smtClean="0"/>
-              <a:t>2022-05-23</a:t>
+              <a:t>2022-06-09</a:t>
             </a:fld>
             <a:endParaRPr lang="ko-KR" altLang="en-US"/>
           </a:p>
@@ -3154,11 +3155,7 @@
             </a:pPr>
             <a:r>
               <a:rPr lang="en-US" altLang="ko-KR" dirty="0" smtClean="0"/>
-              <a:t>http://</a:t>
-            </a:r>
-            <a:r>
-              <a:rPr lang="en-US" altLang="ko-KR" dirty="0" smtClean="0"/>
-              <a:t>52.78.189.163/bizmap/index </a:t>
+              <a:t>http://52.78.189.163/bizmap/index </a:t>
             </a:r>
             <a:r>
               <a:rPr lang="ko-KR" altLang="en-US" dirty="0" err="1" smtClean="0"/>
@@ -3166,11 +3163,7 @@
             </a:r>
             <a:r>
               <a:rPr lang="ko-KR" altLang="en-US" dirty="0" smtClean="0"/>
-              <a:t> </a:t>
-            </a:r>
-            <a:r>
-              <a:rPr lang="ko-KR" altLang="en-US" dirty="0" smtClean="0"/>
-              <a:t>메인 페이지가 보이면 정상</a:t>
+              <a:t> 메인 페이지가 보이면 정상</a:t>
             </a:r>
             <a:endParaRPr lang="ko-KR" altLang="en-US" dirty="0"/>
           </a:p>
@@ -3239,6 +3232,122 @@
         <p:spPr>
           <a:xfrm>
             <a:off x="606963" y="448888"/>
+            <a:ext cx="478016" cy="369332"/>
+          </a:xfrm>
+          <a:prstGeom prst="rect">
+            <a:avLst/>
+          </a:prstGeom>
+          <a:noFill/>
+        </p:spPr>
+        <p:txBody>
+          <a:bodyPr wrap="none" rtlCol="0">
+            <a:spAutoFit/>
+          </a:bodyPr>
+          <a:lstStyle/>
+          <a:p>
+            <a:r>
+              <a:rPr lang="en-US" altLang="ko-KR" dirty="0" smtClean="0"/>
+              <a:t>jsp</a:t>
+            </a:r>
+          </a:p>
+        </p:txBody>
+      </p:sp>
+      <p:sp>
+        <p:nvSpPr>
+          <p:cNvPr id="6" name="TextBox 5"/>
+          <p:cNvSpPr txBox="1"/>
+          <p:nvPr/>
+        </p:nvSpPr>
+        <p:spPr>
+          <a:xfrm>
+            <a:off x="606963" y="894552"/>
+            <a:ext cx="3146374" cy="369332"/>
+          </a:xfrm>
+          <a:prstGeom prst="rect">
+            <a:avLst/>
+          </a:prstGeom>
+        </p:spPr>
+        <p:txBody>
+          <a:bodyPr wrap="none" rtlCol="0">
+            <a:spAutoFit/>
+          </a:bodyPr>
+          <a:lstStyle/>
+          <a:p>
+            <a:r>
+              <a:rPr lang="en-US" altLang="ko-KR" dirty="0" smtClean="0"/>
+              <a:t>5. handlebars-template </a:t>
+            </a:r>
+            <a:r>
+              <a:rPr lang="ko-KR" altLang="en-US" dirty="0" smtClean="0"/>
+              <a:t>구간</a:t>
+            </a:r>
+            <a:endParaRPr lang="en-US" altLang="ko-KR" dirty="0" smtClean="0"/>
+          </a:p>
+        </p:txBody>
+      </p:sp>
+      <p:pic>
+        <p:nvPicPr>
+          <p:cNvPr id="4" name="그림 3"/>
+          <p:cNvPicPr>
+            <a:picLocks noChangeAspect="1"/>
+          </p:cNvPicPr>
+          <p:nvPr/>
+        </p:nvPicPr>
+        <p:blipFill>
+          <a:blip r:embed="rId2"/>
+          <a:stretch>
+            <a:fillRect/>
+          </a:stretch>
+        </p:blipFill>
+        <p:spPr>
+          <a:xfrm>
+            <a:off x="606963" y="1449356"/>
+            <a:ext cx="6441537" cy="3922646"/>
+          </a:xfrm>
+          <a:prstGeom prst="rect">
+            <a:avLst/>
+          </a:prstGeom>
+        </p:spPr>
+      </p:pic>
+    </p:spTree>
+    <p:extLst>
+      <p:ext uri="{BB962C8B-B14F-4D97-AF65-F5344CB8AC3E}">
+        <p14:creationId xmlns:p14="http://schemas.microsoft.com/office/powerpoint/2010/main" val="988841894"/>
+      </p:ext>
+    </p:extLst>
+  </p:cSld>
+  <p:clrMapOvr>
+    <a:masterClrMapping/>
+  </p:clrMapOvr>
+</p:sld>
+</file>
+
+<file path=ppt/slides/slide11.xml><?xml version="1.0" encoding="utf-8"?>
+<p:sld xmlns:a="http://schemas.openxmlformats.org/drawingml/2006/main" xmlns:r="http://schemas.openxmlformats.org/officeDocument/2006/relationships" xmlns:p="http://schemas.openxmlformats.org/presentationml/2006/main">
+  <p:cSld>
+    <p:spTree>
+      <p:nvGrpSpPr>
+        <p:cNvPr id="1" name=""/>
+        <p:cNvGrpSpPr/>
+        <p:nvPr/>
+      </p:nvGrpSpPr>
+      <p:grpSpPr>
+        <a:xfrm>
+          <a:off x="0" y="0"/>
+          <a:ext cx="0" cy="0"/>
+          <a:chOff x="0" y="0"/>
+          <a:chExt cx="0" cy="0"/>
+        </a:xfrm>
+      </p:grpSpPr>
+      <p:sp>
+        <p:nvSpPr>
+          <p:cNvPr id="5" name="TextBox 4"/>
+          <p:cNvSpPr txBox="1"/>
+          <p:nvPr/>
+        </p:nvSpPr>
+        <p:spPr>
+          <a:xfrm>
+            <a:off x="606963" y="448888"/>
             <a:ext cx="10261463" cy="923330"/>
           </a:xfrm>
           <a:prstGeom prst="rect">
@@ -3512,7 +3621,7 @@
 </p:sld>
 </file>
 
-<file path=ppt/slides/slide11.xml><?xml version="1.0" encoding="utf-8"?>
+<file path=ppt/slides/slide12.xml><?xml version="1.0" encoding="utf-8"?>
 <p:sld xmlns:a="http://schemas.openxmlformats.org/drawingml/2006/main" xmlns:r="http://schemas.openxmlformats.org/officeDocument/2006/relationships" xmlns:p="http://schemas.openxmlformats.org/presentationml/2006/main">
   <p:cSld>
     <p:spTree>
@@ -3632,7 +3741,7 @@
 </p:sld>
 </file>
 
-<file path=ppt/slides/slide12.xml><?xml version="1.0" encoding="utf-8"?>
+<file path=ppt/slides/slide13.xml><?xml version="1.0" encoding="utf-8"?>
 <p:sld xmlns:a="http://schemas.openxmlformats.org/drawingml/2006/main" xmlns:r="http://schemas.openxmlformats.org/officeDocument/2006/relationships" xmlns:p="http://schemas.openxmlformats.org/presentationml/2006/main">
   <p:cSld>
     <p:spTree>
@@ -3747,7 +3856,7 @@
 </p:sld>
 </file>
 
-<file path=ppt/slides/slide13.xml><?xml version="1.0" encoding="utf-8"?>
+<file path=ppt/slides/slide14.xml><?xml version="1.0" encoding="utf-8"?>
 <p:sld xmlns:a="http://schemas.openxmlformats.org/drawingml/2006/main" xmlns:r="http://schemas.openxmlformats.org/officeDocument/2006/relationships" xmlns:p="http://schemas.openxmlformats.org/presentationml/2006/main">
   <p:cSld>
     <p:spTree>
@@ -3818,7 +3927,7 @@
         </p:blipFill>
         <p:spPr>
           <a:xfrm>
-            <a:off x="606963" y="952499"/>
+            <a:off x="606963" y="897635"/>
             <a:ext cx="7109921" cy="5586905"/>
           </a:xfrm>
           <a:prstGeom prst="rect">
@@ -3839,7 +3948,7 @@
 </p:sld>
 </file>
 
-<file path=ppt/slides/slide14.xml><?xml version="1.0" encoding="utf-8"?>
+<file path=ppt/slides/slide15.xml><?xml version="1.0" encoding="utf-8"?>
 <p:sld xmlns:a="http://schemas.openxmlformats.org/drawingml/2006/main" xmlns:r="http://schemas.openxmlformats.org/officeDocument/2006/relationships" xmlns:p="http://schemas.openxmlformats.org/presentationml/2006/main">
   <p:cSld>
     <p:spTree>
@@ -4073,7 +4182,7 @@
 </p:sld>
 </file>
 
-<file path=ppt/slides/slide15.xml><?xml version="1.0" encoding="utf-8"?>
+<file path=ppt/slides/slide16.xml><?xml version="1.0" encoding="utf-8"?>
 <p:sld xmlns:a="http://schemas.openxmlformats.org/drawingml/2006/main" xmlns:r="http://schemas.openxmlformats.org/officeDocument/2006/relationships" xmlns:p="http://schemas.openxmlformats.org/presentationml/2006/main">
   <p:cSld>
     <p:spTree>
@@ -4233,11 +4342,7 @@
             </a:r>
             <a:r>
               <a:rPr lang="en-US" altLang="ko-KR" sz="1600" dirty="0" smtClean="0"/>
-              <a:t>+ </a:t>
-            </a:r>
-            <a:r>
-              <a:rPr lang="en-US" altLang="ko-KR" sz="1600" dirty="0" smtClean="0"/>
-              <a:t>OutVO</a:t>
+              <a:t>+ OutVO</a:t>
             </a:r>
           </a:p>
           <a:p>
@@ -4329,7 +4434,7 @@
 </p:sld>
 </file>
 
-<file path=ppt/slides/slide16.xml><?xml version="1.0" encoding="utf-8"?>
+<file path=ppt/slides/slide17.xml><?xml version="1.0" encoding="utf-8"?>
 <p:sld xmlns:a="http://schemas.openxmlformats.org/drawingml/2006/main" xmlns:r="http://schemas.openxmlformats.org/officeDocument/2006/relationships" xmlns:p="http://schemas.openxmlformats.org/presentationml/2006/main">
   <p:cSld>
     <p:spTree>
@@ -7412,7 +7517,7 @@
 </p:sld>
 </file>
 
-<file path=ppt/slides/slide17.xml><?xml version="1.0" encoding="utf-8"?>
+<file path=ppt/slides/slide18.xml><?xml version="1.0" encoding="utf-8"?>
 <p:sld xmlns:a="http://schemas.openxmlformats.org/drawingml/2006/main" xmlns:r="http://schemas.openxmlformats.org/officeDocument/2006/relationships" xmlns:p="http://schemas.openxmlformats.org/presentationml/2006/main">
   <p:cSld>
     <p:spTree>
@@ -11087,7 +11192,7 @@
 </p:sld>
 </file>
 
-<file path=ppt/slides/slide18.xml><?xml version="1.0" encoding="utf-8"?>
+<file path=ppt/slides/slide19.xml><?xml version="1.0" encoding="utf-8"?>
 <p:sld xmlns:a="http://schemas.openxmlformats.org/drawingml/2006/main" xmlns:r="http://schemas.openxmlformats.org/officeDocument/2006/relationships" xmlns:p="http://schemas.openxmlformats.org/presentationml/2006/main">
   <p:cSld>
     <p:spTree>
@@ -13973,7 +14078,91 @@
 </p:sld>
 </file>
 
-<file path=ppt/slides/slide19.xml><?xml version="1.0" encoding="utf-8"?>
+<file path=ppt/slides/slide2.xml><?xml version="1.0" encoding="utf-8"?>
+<p:sld xmlns:a="http://schemas.openxmlformats.org/drawingml/2006/main" xmlns:r="http://schemas.openxmlformats.org/officeDocument/2006/relationships" xmlns:p="http://schemas.openxmlformats.org/presentationml/2006/main">
+  <p:cSld>
+    <p:spTree>
+      <p:nvGrpSpPr>
+        <p:cNvPr id="1" name=""/>
+        <p:cNvGrpSpPr/>
+        <p:nvPr/>
+      </p:nvGrpSpPr>
+      <p:grpSpPr>
+        <a:xfrm>
+          <a:off x="0" y="0"/>
+          <a:ext cx="0" cy="0"/>
+          <a:chOff x="0" y="0"/>
+          <a:chExt cx="0" cy="0"/>
+        </a:xfrm>
+      </p:grpSpPr>
+      <p:sp>
+        <p:nvSpPr>
+          <p:cNvPr id="6" name="TextBox 5"/>
+          <p:cNvSpPr txBox="1"/>
+          <p:nvPr/>
+        </p:nvSpPr>
+        <p:spPr>
+          <a:xfrm>
+            <a:off x="800409" y="606830"/>
+            <a:ext cx="10438398" cy="369332"/>
+          </a:xfrm>
+          <a:prstGeom prst="rect">
+            <a:avLst/>
+          </a:prstGeom>
+          <a:noFill/>
+        </p:spPr>
+        <p:txBody>
+          <a:bodyPr wrap="square" rtlCol="0">
+            <a:spAutoFit/>
+          </a:bodyPr>
+          <a:lstStyle/>
+          <a:p>
+            <a:r>
+              <a:rPr lang="ko-KR" altLang="en-US" dirty="0" smtClean="0"/>
+              <a:t>수정 후 자동 반영 설정</a:t>
+            </a:r>
+            <a:endParaRPr lang="ko-KR" altLang="en-US" dirty="0"/>
+          </a:p>
+        </p:txBody>
+      </p:sp>
+      <p:pic>
+        <p:nvPicPr>
+          <p:cNvPr id="2" name="그림 1"/>
+          <p:cNvPicPr>
+            <a:picLocks noChangeAspect="1"/>
+          </p:cNvPicPr>
+          <p:nvPr/>
+        </p:nvPicPr>
+        <p:blipFill>
+          <a:blip r:embed="rId2"/>
+          <a:stretch>
+            <a:fillRect/>
+          </a:stretch>
+        </p:blipFill>
+        <p:spPr>
+          <a:xfrm>
+            <a:off x="800409" y="1166158"/>
+            <a:ext cx="7326931" cy="4994361"/>
+          </a:xfrm>
+          <a:prstGeom prst="rect">
+            <a:avLst/>
+          </a:prstGeom>
+        </p:spPr>
+      </p:pic>
+    </p:spTree>
+    <p:extLst>
+      <p:ext uri="{BB962C8B-B14F-4D97-AF65-F5344CB8AC3E}">
+        <p14:creationId xmlns:p14="http://schemas.microsoft.com/office/powerpoint/2010/main" val="3172801757"/>
+      </p:ext>
+    </p:extLst>
+  </p:cSld>
+  <p:clrMapOvr>
+    <a:masterClrMapping/>
+  </p:clrMapOvr>
+</p:sld>
+</file>
+
+<file path=ppt/slides/slide20.xml><?xml version="1.0" encoding="utf-8"?>
 <p:sld xmlns:a="http://schemas.openxmlformats.org/drawingml/2006/main" xmlns:r="http://schemas.openxmlformats.org/officeDocument/2006/relationships" xmlns:p="http://schemas.openxmlformats.org/presentationml/2006/main">
   <p:cSld>
     <p:spTree>
@@ -17857,193 +18046,7 @@
 </p:sld>
 </file>
 
-<file path=ppt/slides/slide2.xml><?xml version="1.0" encoding="utf-8"?>
-<p:sld xmlns:a="http://schemas.openxmlformats.org/drawingml/2006/main" xmlns:r="http://schemas.openxmlformats.org/officeDocument/2006/relationships" xmlns:p="http://schemas.openxmlformats.org/presentationml/2006/main">
-  <p:cSld>
-    <p:spTree>
-      <p:nvGrpSpPr>
-        <p:cNvPr id="1" name=""/>
-        <p:cNvGrpSpPr/>
-        <p:nvPr/>
-      </p:nvGrpSpPr>
-      <p:grpSpPr>
-        <a:xfrm>
-          <a:off x="0" y="0"/>
-          <a:ext cx="0" cy="0"/>
-          <a:chOff x="0" y="0"/>
-          <a:chExt cx="0" cy="0"/>
-        </a:xfrm>
-      </p:grpSpPr>
-      <p:sp>
-        <p:nvSpPr>
-          <p:cNvPr id="4" name="TextBox 3"/>
-          <p:cNvSpPr txBox="1"/>
-          <p:nvPr/>
-        </p:nvSpPr>
-        <p:spPr>
-          <a:xfrm>
-            <a:off x="257695" y="249382"/>
-            <a:ext cx="646331" cy="369332"/>
-          </a:xfrm>
-          <a:prstGeom prst="rect">
-            <a:avLst/>
-          </a:prstGeom>
-          <a:noFill/>
-        </p:spPr>
-        <p:txBody>
-          <a:bodyPr wrap="none" rtlCol="0">
-            <a:spAutoFit/>
-          </a:bodyPr>
-          <a:lstStyle/>
-          <a:p>
-            <a:r>
-              <a:rPr lang="ko-KR" altLang="en-US" smtClean="0"/>
-              <a:t>개발</a:t>
-            </a:r>
-            <a:endParaRPr lang="ko-KR" altLang="en-US"/>
-          </a:p>
-        </p:txBody>
-      </p:sp>
-      <p:pic>
-        <p:nvPicPr>
-          <p:cNvPr id="5" name="그림 4"/>
-          <p:cNvPicPr>
-            <a:picLocks noChangeAspect="1"/>
-          </p:cNvPicPr>
-          <p:nvPr/>
-        </p:nvPicPr>
-        <p:blipFill>
-          <a:blip r:embed="rId2"/>
-          <a:stretch>
-            <a:fillRect/>
-          </a:stretch>
-        </p:blipFill>
-        <p:spPr>
-          <a:xfrm>
-            <a:off x="580860" y="883832"/>
-            <a:ext cx="4057650" cy="5705475"/>
-          </a:xfrm>
-          <a:prstGeom prst="rect">
-            <a:avLst/>
-          </a:prstGeom>
-        </p:spPr>
-      </p:pic>
-      <p:sp>
-        <p:nvSpPr>
-          <p:cNvPr id="6" name="TextBox 5"/>
-          <p:cNvSpPr txBox="1"/>
-          <p:nvPr/>
-        </p:nvSpPr>
-        <p:spPr>
-          <a:xfrm>
-            <a:off x="5170516" y="1080655"/>
-            <a:ext cx="6100003" cy="923330"/>
-          </a:xfrm>
-          <a:prstGeom prst="rect">
-            <a:avLst/>
-          </a:prstGeom>
-          <a:noFill/>
-        </p:spPr>
-        <p:txBody>
-          <a:bodyPr wrap="none" rtlCol="0">
-            <a:spAutoFit/>
-          </a:bodyPr>
-          <a:lstStyle/>
-          <a:p>
-            <a:r>
-              <a:rPr lang="en-US" altLang="ko-KR" dirty="0" smtClean="0"/>
-              <a:t>Jsp        : /src/main/webapp/WEB-INF/views/</a:t>
-            </a:r>
-            <a:r>
-              <a:rPr lang="ko-KR" altLang="en-US" dirty="0" err="1" smtClean="0"/>
-              <a:t>프로젝트명</a:t>
-            </a:r>
-            <a:endParaRPr lang="en-US" altLang="ko-KR" dirty="0" smtClean="0"/>
-          </a:p>
-          <a:p>
-            <a:r>
-              <a:rPr lang="en-US" altLang="ko-KR" dirty="0" smtClean="0"/>
-              <a:t>Js </a:t>
-            </a:r>
-            <a:r>
-              <a:rPr lang="ko-KR" altLang="en-US" dirty="0" smtClean="0"/>
-              <a:t>모음   </a:t>
-            </a:r>
-            <a:r>
-              <a:rPr lang="en-US" altLang="ko-KR" dirty="0" smtClean="0"/>
-              <a:t>: /</a:t>
-            </a:r>
-            <a:r>
-              <a:rPr lang="ko-KR" altLang="en-US" dirty="0" err="1" smtClean="0"/>
-              <a:t>프로젝트명</a:t>
-            </a:r>
-            <a:r>
-              <a:rPr lang="en-US" altLang="ko-KR" dirty="0" smtClean="0"/>
-              <a:t>/include/script.jsp</a:t>
-            </a:r>
-          </a:p>
-          <a:p>
-            <a:r>
-              <a:rPr lang="en-US" altLang="ko-KR" dirty="0" smtClean="0"/>
-              <a:t>Css </a:t>
-            </a:r>
-            <a:r>
-              <a:rPr lang="ko-KR" altLang="en-US" dirty="0" smtClean="0"/>
-              <a:t>모음 </a:t>
-            </a:r>
-            <a:r>
-              <a:rPr lang="en-US" altLang="ko-KR" dirty="0" smtClean="0"/>
-              <a:t>: /</a:t>
-            </a:r>
-            <a:r>
-              <a:rPr lang="ko-KR" altLang="en-US" dirty="0" err="1" smtClean="0"/>
-              <a:t>프로젝트명</a:t>
-            </a:r>
-            <a:r>
-              <a:rPr lang="en-US" altLang="ko-KR" dirty="0" smtClean="0"/>
-              <a:t>/include/head/jsp</a:t>
-            </a:r>
-          </a:p>
-        </p:txBody>
-      </p:sp>
-      <p:pic>
-        <p:nvPicPr>
-          <p:cNvPr id="7" name="그림 6"/>
-          <p:cNvPicPr>
-            <a:picLocks noChangeAspect="1"/>
-          </p:cNvPicPr>
-          <p:nvPr/>
-        </p:nvPicPr>
-        <p:blipFill>
-          <a:blip r:embed="rId3"/>
-          <a:stretch>
-            <a:fillRect/>
-          </a:stretch>
-        </p:blipFill>
-        <p:spPr>
-          <a:xfrm>
-            <a:off x="4857157" y="2101692"/>
-            <a:ext cx="1047896" cy="609685"/>
-          </a:xfrm>
-          <a:prstGeom prst="rect">
-            <a:avLst/>
-          </a:prstGeom>
-        </p:spPr>
-      </p:pic>
-    </p:spTree>
-    <p:extLst>
-      <p:ext uri="{BB962C8B-B14F-4D97-AF65-F5344CB8AC3E}">
-        <p14:creationId xmlns:p14="http://schemas.microsoft.com/office/powerpoint/2010/main" val="2653220210"/>
-      </p:ext>
-    </p:extLst>
-  </p:cSld>
-  <p:clrMapOvr>
-    <a:masterClrMapping/>
-  </p:clrMapOvr>
-</p:sld>
-</file>
-
-<file path=ppt/slides/slide20.xml><?xml version="1.0" encoding="utf-8"?>
+<file path=ppt/slides/slide21.xml><?xml version="1.0" encoding="utf-8"?>
 <p:sld xmlns:a="http://schemas.openxmlformats.org/drawingml/2006/main" xmlns:r="http://schemas.openxmlformats.org/officeDocument/2006/relationships" xmlns:p="http://schemas.openxmlformats.org/presentationml/2006/main">
   <p:cSld>
     <p:spTree>
@@ -18268,7 +18271,7 @@
 </p:sld>
 </file>
 
-<file path=ppt/slides/slide21.xml><?xml version="1.0" encoding="utf-8"?>
+<file path=ppt/slides/slide22.xml><?xml version="1.0" encoding="utf-8"?>
 <p:sld xmlns:a="http://schemas.openxmlformats.org/drawingml/2006/main" xmlns:r="http://schemas.openxmlformats.org/officeDocument/2006/relationships" xmlns:p="http://schemas.openxmlformats.org/presentationml/2006/main">
   <p:cSld>
     <p:spTree>
@@ -19986,7 +19989,7 @@
 </p:sld>
 </file>
 
-<file path=ppt/slides/slide22.xml><?xml version="1.0" encoding="utf-8"?>
+<file path=ppt/slides/slide23.xml><?xml version="1.0" encoding="utf-8"?>
 <p:sld xmlns:a="http://schemas.openxmlformats.org/drawingml/2006/main" xmlns:r="http://schemas.openxmlformats.org/officeDocument/2006/relationships" xmlns:p="http://schemas.openxmlformats.org/presentationml/2006/main">
   <p:cSld>
     <p:spTree>
@@ -20779,6 +20782,197 @@
           <a:chExt cx="0" cy="0"/>
         </a:xfrm>
       </p:grpSpPr>
+      <p:sp>
+        <p:nvSpPr>
+          <p:cNvPr id="4" name="TextBox 3"/>
+          <p:cNvSpPr txBox="1"/>
+          <p:nvPr/>
+        </p:nvSpPr>
+        <p:spPr>
+          <a:xfrm>
+            <a:off x="257695" y="249382"/>
+            <a:ext cx="646331" cy="369332"/>
+          </a:xfrm>
+          <a:prstGeom prst="rect">
+            <a:avLst/>
+          </a:prstGeom>
+          <a:noFill/>
+        </p:spPr>
+        <p:txBody>
+          <a:bodyPr wrap="none" rtlCol="0">
+            <a:spAutoFit/>
+          </a:bodyPr>
+          <a:lstStyle/>
+          <a:p>
+            <a:r>
+              <a:rPr lang="ko-KR" altLang="en-US" smtClean="0"/>
+              <a:t>개발</a:t>
+            </a:r>
+            <a:endParaRPr lang="ko-KR" altLang="en-US"/>
+          </a:p>
+        </p:txBody>
+      </p:sp>
+      <p:pic>
+        <p:nvPicPr>
+          <p:cNvPr id="5" name="그림 4"/>
+          <p:cNvPicPr>
+            <a:picLocks noChangeAspect="1"/>
+          </p:cNvPicPr>
+          <p:nvPr/>
+        </p:nvPicPr>
+        <p:blipFill>
+          <a:blip r:embed="rId2"/>
+          <a:stretch>
+            <a:fillRect/>
+          </a:stretch>
+        </p:blipFill>
+        <p:spPr>
+          <a:xfrm>
+            <a:off x="580860" y="883832"/>
+            <a:ext cx="4057650" cy="5705475"/>
+          </a:xfrm>
+          <a:prstGeom prst="rect">
+            <a:avLst/>
+          </a:prstGeom>
+        </p:spPr>
+      </p:pic>
+      <p:sp>
+        <p:nvSpPr>
+          <p:cNvPr id="6" name="TextBox 5"/>
+          <p:cNvSpPr txBox="1"/>
+          <p:nvPr/>
+        </p:nvSpPr>
+        <p:spPr>
+          <a:xfrm>
+            <a:off x="5170516" y="1080655"/>
+            <a:ext cx="6100003" cy="923330"/>
+          </a:xfrm>
+          <a:prstGeom prst="rect">
+            <a:avLst/>
+          </a:prstGeom>
+          <a:noFill/>
+        </p:spPr>
+        <p:txBody>
+          <a:bodyPr wrap="none" rtlCol="0">
+            <a:spAutoFit/>
+          </a:bodyPr>
+          <a:lstStyle/>
+          <a:p>
+            <a:r>
+              <a:rPr lang="en-US" altLang="ko-KR" dirty="0" smtClean="0"/>
+              <a:t>Jsp        : /src/main/webapp/WEB-INF/views/</a:t>
+            </a:r>
+            <a:r>
+              <a:rPr lang="ko-KR" altLang="en-US" dirty="0" err="1" smtClean="0"/>
+              <a:t>프로젝트명</a:t>
+            </a:r>
+            <a:endParaRPr lang="en-US" altLang="ko-KR" dirty="0" smtClean="0"/>
+          </a:p>
+          <a:p>
+            <a:r>
+              <a:rPr lang="en-US" altLang="ko-KR" dirty="0" smtClean="0"/>
+              <a:t>Js </a:t>
+            </a:r>
+            <a:r>
+              <a:rPr lang="ko-KR" altLang="en-US" dirty="0" smtClean="0"/>
+              <a:t>모음   </a:t>
+            </a:r>
+            <a:r>
+              <a:rPr lang="en-US" altLang="ko-KR" dirty="0" smtClean="0"/>
+              <a:t>: /</a:t>
+            </a:r>
+            <a:r>
+              <a:rPr lang="ko-KR" altLang="en-US" dirty="0" err="1" smtClean="0"/>
+              <a:t>프로젝트명</a:t>
+            </a:r>
+            <a:r>
+              <a:rPr lang="en-US" altLang="ko-KR" dirty="0" smtClean="0"/>
+              <a:t>/include/script.jsp</a:t>
+            </a:r>
+          </a:p>
+          <a:p>
+            <a:r>
+              <a:rPr lang="en-US" altLang="ko-KR" dirty="0" smtClean="0"/>
+              <a:t>Css </a:t>
+            </a:r>
+            <a:r>
+              <a:rPr lang="ko-KR" altLang="en-US" dirty="0" smtClean="0"/>
+              <a:t>모음 </a:t>
+            </a:r>
+            <a:r>
+              <a:rPr lang="en-US" altLang="ko-KR" dirty="0" smtClean="0"/>
+              <a:t>: /</a:t>
+            </a:r>
+            <a:r>
+              <a:rPr lang="ko-KR" altLang="en-US" dirty="0" err="1" smtClean="0"/>
+              <a:t>프로젝트명</a:t>
+            </a:r>
+            <a:r>
+              <a:rPr lang="en-US" altLang="ko-KR" dirty="0" smtClean="0"/>
+              <a:t>/</a:t>
+            </a:r>
+            <a:r>
+              <a:rPr lang="en-US" altLang="ko-KR" dirty="0" smtClean="0"/>
+              <a:t>include/head.jsp</a:t>
+            </a:r>
+            <a:endParaRPr lang="en-US" altLang="ko-KR" dirty="0" smtClean="0"/>
+          </a:p>
+        </p:txBody>
+      </p:sp>
+      <p:pic>
+        <p:nvPicPr>
+          <p:cNvPr id="7" name="그림 6"/>
+          <p:cNvPicPr>
+            <a:picLocks noChangeAspect="1"/>
+          </p:cNvPicPr>
+          <p:nvPr/>
+        </p:nvPicPr>
+        <p:blipFill>
+          <a:blip r:embed="rId3"/>
+          <a:stretch>
+            <a:fillRect/>
+          </a:stretch>
+        </p:blipFill>
+        <p:spPr>
+          <a:xfrm>
+            <a:off x="4857157" y="2101692"/>
+            <a:ext cx="1047896" cy="609685"/>
+          </a:xfrm>
+          <a:prstGeom prst="rect">
+            <a:avLst/>
+          </a:prstGeom>
+        </p:spPr>
+      </p:pic>
+    </p:spTree>
+    <p:extLst>
+      <p:ext uri="{BB962C8B-B14F-4D97-AF65-F5344CB8AC3E}">
+        <p14:creationId xmlns:p14="http://schemas.microsoft.com/office/powerpoint/2010/main" val="2653220210"/>
+      </p:ext>
+    </p:extLst>
+  </p:cSld>
+  <p:clrMapOvr>
+    <a:masterClrMapping/>
+  </p:clrMapOvr>
+</p:sld>
+</file>
+
+<file path=ppt/slides/slide4.xml><?xml version="1.0" encoding="utf-8"?>
+<p:sld xmlns:a="http://schemas.openxmlformats.org/drawingml/2006/main" xmlns:r="http://schemas.openxmlformats.org/officeDocument/2006/relationships" xmlns:p="http://schemas.openxmlformats.org/presentationml/2006/main">
+  <p:cSld>
+    <p:spTree>
+      <p:nvGrpSpPr>
+        <p:cNvPr id="1" name=""/>
+        <p:cNvGrpSpPr/>
+        <p:nvPr/>
+      </p:nvGrpSpPr>
+      <p:grpSpPr>
+        <a:xfrm>
+          <a:off x="0" y="0"/>
+          <a:ext cx="0" cy="0"/>
+          <a:chOff x="0" y="0"/>
+          <a:chExt cx="0" cy="0"/>
+        </a:xfrm>
+      </p:grpSpPr>
       <p:pic>
         <p:nvPicPr>
           <p:cNvPr id="4" name="그림 3"/>
@@ -20904,7 +21098,7 @@
 </p:sld>
 </file>
 
-<file path=ppt/slides/slide4.xml><?xml version="1.0" encoding="utf-8"?>
+<file path=ppt/slides/slide5.xml><?xml version="1.0" encoding="utf-8"?>
 <p:sld xmlns:a="http://schemas.openxmlformats.org/drawingml/2006/main" xmlns:r="http://schemas.openxmlformats.org/officeDocument/2006/relationships" xmlns:p="http://schemas.openxmlformats.org/presentationml/2006/main">
   <p:cSld>
     <p:spTree>
@@ -21034,7 +21228,7 @@
 </p:sld>
 </file>
 
-<file path=ppt/slides/slide5.xml><?xml version="1.0" encoding="utf-8"?>
+<file path=ppt/slides/slide6.xml><?xml version="1.0" encoding="utf-8"?>
 <p:sld xmlns:a="http://schemas.openxmlformats.org/drawingml/2006/main" xmlns:r="http://schemas.openxmlformats.org/officeDocument/2006/relationships" xmlns:p="http://schemas.openxmlformats.org/presentationml/2006/main">
   <p:cSld>
     <p:spTree>
@@ -21141,7 +21335,7 @@
 </p:sld>
 </file>
 
-<file path=ppt/slides/slide6.xml><?xml version="1.0" encoding="utf-8"?>
+<file path=ppt/slides/slide7.xml><?xml version="1.0" encoding="utf-8"?>
 <p:sld xmlns:a="http://schemas.openxmlformats.org/drawingml/2006/main" xmlns:r="http://schemas.openxmlformats.org/officeDocument/2006/relationships" xmlns:p="http://schemas.openxmlformats.org/presentationml/2006/main">
   <p:cSld>
     <p:spTree>
@@ -21220,7 +21414,7 @@
         <p:spPr>
           <a:xfrm>
             <a:off x="606963" y="841823"/>
-            <a:ext cx="6638227" cy="369332"/>
+            <a:ext cx="7886583" cy="369332"/>
           </a:xfrm>
           <a:prstGeom prst="rect">
             <a:avLst/>
@@ -21251,7 +21445,15 @@
             </a:r>
             <a:r>
               <a:rPr lang="en-US" altLang="ko-KR" dirty="0" smtClean="0"/>
-              <a:t>function, async)</a:t>
+              <a:t>function</a:t>
+            </a:r>
+            <a:r>
+              <a:rPr lang="en-US" altLang="ko-KR" dirty="0" smtClean="0"/>
+              <a:t>,”GET/POST”, async</a:t>
+            </a:r>
+            <a:r>
+              <a:rPr lang="en-US" altLang="ko-KR" dirty="0" smtClean="0"/>
+              <a:t>)</a:t>
             </a:r>
           </a:p>
         </p:txBody>
@@ -21433,7 +21635,7 @@
 </p:sld>
 </file>
 
-<file path=ppt/slides/slide7.xml><?xml version="1.0" encoding="utf-8"?>
+<file path=ppt/slides/slide8.xml><?xml version="1.0" encoding="utf-8"?>
 <p:sld xmlns:a="http://schemas.openxmlformats.org/drawingml/2006/main" xmlns:r="http://schemas.openxmlformats.org/officeDocument/2006/relationships" xmlns:p="http://schemas.openxmlformats.org/presentationml/2006/main">
   <p:cSld>
     <p:spTree>
@@ -21591,7 +21793,7 @@
 </p:sld>
 </file>
 
-<file path=ppt/slides/slide8.xml><?xml version="1.0" encoding="utf-8"?>
+<file path=ppt/slides/slide9.xml><?xml version="1.0" encoding="utf-8"?>
 <p:sld xmlns:a="http://schemas.openxmlformats.org/drawingml/2006/main" xmlns:r="http://schemas.openxmlformats.org/officeDocument/2006/relationships" xmlns:p="http://schemas.openxmlformats.org/presentationml/2006/main">
   <p:cSld>
     <p:spTree>
@@ -21787,122 +21989,6 @@
     <p:extLst>
       <p:ext uri="{BB962C8B-B14F-4D97-AF65-F5344CB8AC3E}">
         <p14:creationId xmlns:p14="http://schemas.microsoft.com/office/powerpoint/2010/main" val="3587319214"/>
-      </p:ext>
-    </p:extLst>
-  </p:cSld>
-  <p:clrMapOvr>
-    <a:masterClrMapping/>
-  </p:clrMapOvr>
-</p:sld>
-</file>
-
-<file path=ppt/slides/slide9.xml><?xml version="1.0" encoding="utf-8"?>
-<p:sld xmlns:a="http://schemas.openxmlformats.org/drawingml/2006/main" xmlns:r="http://schemas.openxmlformats.org/officeDocument/2006/relationships" xmlns:p="http://schemas.openxmlformats.org/presentationml/2006/main">
-  <p:cSld>
-    <p:spTree>
-      <p:nvGrpSpPr>
-        <p:cNvPr id="1" name=""/>
-        <p:cNvGrpSpPr/>
-        <p:nvPr/>
-      </p:nvGrpSpPr>
-      <p:grpSpPr>
-        <a:xfrm>
-          <a:off x="0" y="0"/>
-          <a:ext cx="0" cy="0"/>
-          <a:chOff x="0" y="0"/>
-          <a:chExt cx="0" cy="0"/>
-        </a:xfrm>
-      </p:grpSpPr>
-      <p:sp>
-        <p:nvSpPr>
-          <p:cNvPr id="5" name="TextBox 4"/>
-          <p:cNvSpPr txBox="1"/>
-          <p:nvPr/>
-        </p:nvSpPr>
-        <p:spPr>
-          <a:xfrm>
-            <a:off x="606963" y="448888"/>
-            <a:ext cx="478016" cy="369332"/>
-          </a:xfrm>
-          <a:prstGeom prst="rect">
-            <a:avLst/>
-          </a:prstGeom>
-          <a:noFill/>
-        </p:spPr>
-        <p:txBody>
-          <a:bodyPr wrap="none" rtlCol="0">
-            <a:spAutoFit/>
-          </a:bodyPr>
-          <a:lstStyle/>
-          <a:p>
-            <a:r>
-              <a:rPr lang="en-US" altLang="ko-KR" dirty="0" smtClean="0"/>
-              <a:t>jsp</a:t>
-            </a:r>
-          </a:p>
-        </p:txBody>
-      </p:sp>
-      <p:sp>
-        <p:nvSpPr>
-          <p:cNvPr id="6" name="TextBox 5"/>
-          <p:cNvSpPr txBox="1"/>
-          <p:nvPr/>
-        </p:nvSpPr>
-        <p:spPr>
-          <a:xfrm>
-            <a:off x="606963" y="894552"/>
-            <a:ext cx="3146374" cy="369332"/>
-          </a:xfrm>
-          <a:prstGeom prst="rect">
-            <a:avLst/>
-          </a:prstGeom>
-        </p:spPr>
-        <p:txBody>
-          <a:bodyPr wrap="none" rtlCol="0">
-            <a:spAutoFit/>
-          </a:bodyPr>
-          <a:lstStyle/>
-          <a:p>
-            <a:r>
-              <a:rPr lang="en-US" altLang="ko-KR" dirty="0" smtClean="0"/>
-              <a:t>5. handlebars-template </a:t>
-            </a:r>
-            <a:r>
-              <a:rPr lang="ko-KR" altLang="en-US" dirty="0" smtClean="0"/>
-              <a:t>구간</a:t>
-            </a:r>
-            <a:endParaRPr lang="en-US" altLang="ko-KR" dirty="0" smtClean="0"/>
-          </a:p>
-        </p:txBody>
-      </p:sp>
-      <p:pic>
-        <p:nvPicPr>
-          <p:cNvPr id="4" name="그림 3"/>
-          <p:cNvPicPr>
-            <a:picLocks noChangeAspect="1"/>
-          </p:cNvPicPr>
-          <p:nvPr/>
-        </p:nvPicPr>
-        <p:blipFill>
-          <a:blip r:embed="rId2"/>
-          <a:stretch>
-            <a:fillRect/>
-          </a:stretch>
-        </p:blipFill>
-        <p:spPr>
-          <a:xfrm>
-            <a:off x="606963" y="1449356"/>
-            <a:ext cx="6441537" cy="3922646"/>
-          </a:xfrm>
-          <a:prstGeom prst="rect">
-            <a:avLst/>
-          </a:prstGeom>
-        </p:spPr>
-      </p:pic>
-    </p:spTree>
-    <p:extLst>
-      <p:ext uri="{BB962C8B-B14F-4D97-AF65-F5344CB8AC3E}">
-        <p14:creationId xmlns:p14="http://schemas.microsoft.com/office/powerpoint/2010/main" val="988841894"/>
       </p:ext>
     </p:extLst>
   </p:cSld>
